--- a/assets/CH_STUART_CASESTUDY.pptx
+++ b/assets/CH_STUART_CASESTUDY.pptx
@@ -2,8 +2,8 @@
 <file path=ppt/presentation.xml><?xml version="1.0" encoding="utf-8"?>
 <p:presentation xmlns:a="http://schemas.openxmlformats.org/drawingml/2006/main" xmlns:r="http://schemas.openxmlformats.org/officeDocument/2006/relationships" xmlns:mc="http://schemas.openxmlformats.org/markup-compatibility/2006" xmlns:mv="urn:schemas-microsoft-com:mac:vml" xmlns:p="http://schemas.openxmlformats.org/presentationml/2006/main" xmlns:c="http://schemas.openxmlformats.org/drawingml/2006/chart" xmlns:dgm="http://schemas.openxmlformats.org/drawingml/2006/diagram" xmlns:o="urn:schemas-microsoft-com:office:office" xmlns:v="urn:schemas-microsoft-com:vml" xmlns:pvml="urn:schemas-microsoft-com:office:powerpoint" xmlns:com="http://schemas.openxmlformats.org/drawingml/2006/compatibility" xmlns:p14="http://schemas.microsoft.com/office/powerpoint/2010/main" xmlns:p15="http://schemas.microsoft.com/office/powerpoint/2012/main" xmlns:ahyp="http://schemas.microsoft.com/office/drawing/2018/hyperlinkcolor" autoCompressPictures="0" embedTrueTypeFonts="1" strictFirstAndLastChars="0" saveSubsetFonts="1">
   <p:sldMasterIdLst>
-    <p:sldMasterId id="2147483667" r:id="rId5"/>
-    <p:sldMasterId id="2147483668" r:id="rId6"/>
+    <p:sldMasterId id="2147483665" r:id="rId5"/>
+    <p:sldMasterId id="2147483666" r:id="rId6"/>
   </p:sldMasterIdLst>
   <p:notesMasterIdLst>
     <p:notesMasterId r:id="rId7"/>
@@ -705,7 +705,7 @@
   <p:cSld>
     <p:spTree>
       <p:nvGrpSpPr>
-        <p:cNvPr id="98" name="Shape 98"/>
+        <p:cNvPr id="87" name="Shape 87"/>
         <p:cNvGrpSpPr/>
         <p:nvPr/>
       </p:nvGrpSpPr>
@@ -719,7 +719,7 @@
       </p:grpSpPr>
       <p:sp>
         <p:nvSpPr>
-          <p:cNvPr id="99" name="Google Shape;99;gca93789eb7_0_591:notes"/>
+          <p:cNvPr id="88" name="Google Shape;88;gca93789eb7_0_591:notes"/>
           <p:cNvSpPr txBox="1"/>
           <p:nvPr>
             <p:ph idx="1" type="body"/>
@@ -766,7 +766,7 @@
       </p:sp>
       <p:sp>
         <p:nvSpPr>
-          <p:cNvPr id="100" name="Google Shape;100;gca93789eb7_0_591:notes"/>
+          <p:cNvPr id="89" name="Google Shape;89;gca93789eb7_0_591:notes"/>
           <p:cNvSpPr/>
           <p:nvPr>
             <p:ph idx="2" type="sldImg"/>
@@ -822,7 +822,7 @@
   <p:cSld>
     <p:spTree>
       <p:nvGrpSpPr>
-        <p:cNvPr id="107" name="Shape 107"/>
+        <p:cNvPr id="96" name="Shape 96"/>
         <p:cNvGrpSpPr/>
         <p:nvPr/>
       </p:nvGrpSpPr>
@@ -836,7 +836,7 @@
       </p:grpSpPr>
       <p:sp>
         <p:nvSpPr>
-          <p:cNvPr id="108" name="Google Shape;108;gca93789eb7_0_1013:notes"/>
+          <p:cNvPr id="97" name="Google Shape;97;gca93789eb7_0_1013:notes"/>
           <p:cNvSpPr txBox="1"/>
           <p:nvPr>
             <p:ph idx="1" type="body"/>
@@ -879,7 +879,7 @@
       </p:sp>
       <p:sp>
         <p:nvSpPr>
-          <p:cNvPr id="109" name="Google Shape;109;gca93789eb7_0_1013:notes"/>
+          <p:cNvPr id="98" name="Google Shape;98;gca93789eb7_0_1013:notes"/>
           <p:cNvSpPr/>
           <p:nvPr>
             <p:ph idx="2" type="sldImg"/>
@@ -935,7 +935,7 @@
   <p:cSld>
     <p:spTree>
       <p:nvGrpSpPr>
-        <p:cNvPr id="115" name="Shape 115"/>
+        <p:cNvPr id="104" name="Shape 104"/>
         <p:cNvGrpSpPr/>
         <p:nvPr/>
       </p:nvGrpSpPr>
@@ -949,7 +949,7 @@
       </p:grpSpPr>
       <p:sp>
         <p:nvSpPr>
-          <p:cNvPr id="116" name="Google Shape;116;gfabdf02abf_0_8:notes"/>
+          <p:cNvPr id="105" name="Google Shape;105;gfabdf02abf_0_8:notes"/>
           <p:cNvSpPr/>
           <p:nvPr>
             <p:ph idx="2" type="sldImg"/>
@@ -984,7 +984,7 @@
       </p:sp>
       <p:sp>
         <p:nvSpPr>
-          <p:cNvPr id="117" name="Google Shape;117;gfabdf02abf_0_8:notes"/>
+          <p:cNvPr id="106" name="Google Shape;106;gfabdf02abf_0_8:notes"/>
           <p:cNvSpPr txBox="1"/>
           <p:nvPr>
             <p:ph idx="1" type="body"/>
@@ -1015,7 +1015,48 @@
               <a:buNone/>
             </a:pPr>
             <a:r>
+              <a:rPr lang="en"/>
+              <a:t>SPEAKER NOTES: </a:t>
+            </a:r>
+            <a:endParaRPr/>
+          </a:p>
+          <a:p>
+            <a:pPr indent="0" lvl="0" marL="0" rtl="0" algn="l">
+              <a:spcBef>
+                <a:spcPts val="0"/>
+              </a:spcBef>
+              <a:spcAft>
+                <a:spcPts val="0"/>
+              </a:spcAft>
+              <a:buNone/>
+            </a:pPr>
+            <a:r>
               <a:t/>
+            </a:r>
+            <a:endParaRPr/>
+          </a:p>
+          <a:p>
+            <a:pPr indent="0" lvl="0" marL="0" rtl="0" algn="l">
+              <a:spcBef>
+                <a:spcPts val="0"/>
+              </a:spcBef>
+              <a:spcAft>
+                <a:spcPts val="0"/>
+              </a:spcAft>
+              <a:buClr>
+                <a:schemeClr val="dk1"/>
+              </a:buClr>
+              <a:buSzPts val="1100"/>
+              <a:buFont typeface="Arial"/>
+              <a:buNone/>
+            </a:pPr>
+            <a:r>
+              <a:rPr lang="en" sz="1200">
+                <a:solidFill>
+                  <a:schemeClr val="dk1"/>
+                </a:solidFill>
+              </a:rPr>
+              <a:t>Over the month of December, Paris can be seen to provide the most number of successful deliveries in relation to the other zones with also a large sum of deliveries flowing through. Though Paris has a high rate of deliveries, the overall success rate of deliveries that are on time is just above 50% and therefore could be improved on.</a:t>
             </a:r>
             <a:endParaRPr/>
           </a:p>
@@ -1034,7 +1075,7 @@
   <p:cSld>
     <p:spTree>
       <p:nvGrpSpPr>
-        <p:cNvPr id="147" name="Shape 147"/>
+        <p:cNvPr id="136" name="Shape 136"/>
         <p:cNvGrpSpPr/>
         <p:nvPr/>
       </p:nvGrpSpPr>
@@ -1048,7 +1089,7 @@
       </p:grpSpPr>
       <p:sp>
         <p:nvSpPr>
-          <p:cNvPr id="148" name="Google Shape;148;gca93789eb7_0_2713:notes"/>
+          <p:cNvPr id="137" name="Google Shape;137;gca93789eb7_0_2713:notes"/>
           <p:cNvSpPr txBox="1"/>
           <p:nvPr>
             <p:ph idx="1" type="body"/>
@@ -1091,7 +1132,7 @@
       </p:sp>
       <p:sp>
         <p:nvSpPr>
-          <p:cNvPr id="149" name="Google Shape;149;gca93789eb7_0_2713:notes"/>
+          <p:cNvPr id="138" name="Google Shape;138;gca93789eb7_0_2713:notes"/>
           <p:cNvSpPr/>
           <p:nvPr>
             <p:ph idx="2" type="sldImg"/>
@@ -1147,7 +1188,7 @@
   <p:cSld>
     <p:spTree>
       <p:nvGrpSpPr>
-        <p:cNvPr id="155" name="Shape 155"/>
+        <p:cNvPr id="144" name="Shape 144"/>
         <p:cNvGrpSpPr/>
         <p:nvPr/>
       </p:nvGrpSpPr>
@@ -1161,7 +1202,7 @@
       </p:grpSpPr>
       <p:sp>
         <p:nvSpPr>
-          <p:cNvPr id="156" name="Google Shape;156;gfabdf02abf_0_0:notes"/>
+          <p:cNvPr id="145" name="Google Shape;145;gfabdf02abf_0_0:notes"/>
           <p:cNvSpPr/>
           <p:nvPr>
             <p:ph idx="2" type="sldImg"/>
@@ -1196,7 +1237,7 @@
       </p:sp>
       <p:sp>
         <p:nvSpPr>
-          <p:cNvPr id="157" name="Google Shape;157;gfabdf02abf_0_0:notes"/>
+          <p:cNvPr id="146" name="Google Shape;146;gfabdf02abf_0_0:notes"/>
           <p:cNvSpPr txBox="1"/>
           <p:nvPr>
             <p:ph idx="1" type="body"/>
@@ -1216,6 +1257,66 @@
             <a:noAutofit/>
           </a:bodyPr>
           <a:lstStyle/>
+          <a:p>
+            <a:pPr indent="0" lvl="0" marL="0" rtl="0" algn="l">
+              <a:spcBef>
+                <a:spcPts val="0"/>
+              </a:spcBef>
+              <a:spcAft>
+                <a:spcPts val="0"/>
+              </a:spcAft>
+              <a:buNone/>
+            </a:pPr>
+            <a:r>
+              <a:rPr lang="en"/>
+              <a:t>SPEAKER NOTES: </a:t>
+            </a:r>
+            <a:endParaRPr/>
+          </a:p>
+          <a:p>
+            <a:pPr indent="0" lvl="0" marL="0" rtl="0" algn="l">
+              <a:spcBef>
+                <a:spcPts val="0"/>
+              </a:spcBef>
+              <a:spcAft>
+                <a:spcPts val="0"/>
+              </a:spcAft>
+              <a:buNone/>
+            </a:pPr>
+            <a:r>
+              <a:t/>
+            </a:r>
+            <a:endParaRPr/>
+          </a:p>
+          <a:p>
+            <a:pPr indent="0" lvl="0" marL="0" rtl="0" algn="l">
+              <a:spcBef>
+                <a:spcPts val="0"/>
+              </a:spcBef>
+              <a:spcAft>
+                <a:spcPts val="0"/>
+              </a:spcAft>
+              <a:buClr>
+                <a:schemeClr val="dk1"/>
+              </a:buClr>
+              <a:buSzPts val="1200"/>
+              <a:buFont typeface="Arial"/>
+              <a:buNone/>
+            </a:pPr>
+            <a:r>
+              <a:rPr lang="en" sz="1200">
+                <a:solidFill>
+                  <a:schemeClr val="dk1"/>
+                </a:solidFill>
+              </a:rPr>
+              <a:t>There has been substantial growth of drivers over the last 4 years in Paris . This is critical to match the increase in flow of inventory currently seen within this zone throughout the years and is currently where a large number of drivers are joining followed by Manchester. </a:t>
+            </a:r>
+            <a:endParaRPr sz="1200">
+              <a:solidFill>
+                <a:schemeClr val="dk1"/>
+              </a:solidFill>
+            </a:endParaRPr>
+          </a:p>
           <a:p>
             <a:pPr indent="0" lvl="0" marL="0" rtl="0" algn="l">
               <a:spcBef>
@@ -3971,15 +4072,8 @@
 </file>
 
 <file path=ppt/slideLayouts/slideLayout15.xml><?xml version="1.0" encoding="utf-8"?>
-<p:sldLayout xmlns:a="http://schemas.openxmlformats.org/drawingml/2006/main" xmlns:r="http://schemas.openxmlformats.org/officeDocument/2006/relationships" xmlns:mc="http://schemas.openxmlformats.org/markup-compatibility/2006" xmlns:mv="urn:schemas-microsoft-com:mac:vml" xmlns:p="http://schemas.openxmlformats.org/presentationml/2006/main" xmlns:c="http://schemas.openxmlformats.org/drawingml/2006/chart" xmlns:dgm="http://schemas.openxmlformats.org/drawingml/2006/diagram" xmlns:o="urn:schemas-microsoft-com:office:office" xmlns:v="urn:schemas-microsoft-com:vml" xmlns:pvml="urn:schemas-microsoft-com:office:powerpoint" xmlns:com="http://schemas.openxmlformats.org/drawingml/2006/compatibility" xmlns:p14="http://schemas.microsoft.com/office/powerpoint/2010/main" xmlns:p15="http://schemas.microsoft.com/office/powerpoint/2012/main" xmlns:ahyp="http://schemas.microsoft.com/office/drawing/2018/hyperlinkcolor" matchingName="00 Cover" showMasterSp="0">
-  <p:cSld name="Title Slide 1">
-    <p:bg>
-      <p:bgPr>
-        <a:solidFill>
-          <a:srgbClr val="EFEFEF"/>
-        </a:solidFill>
-      </p:bgPr>
-    </p:bg>
+<p:sldLayout xmlns:a="http://schemas.openxmlformats.org/drawingml/2006/main" xmlns:r="http://schemas.openxmlformats.org/officeDocument/2006/relationships" xmlns:mc="http://schemas.openxmlformats.org/markup-compatibility/2006" xmlns:mv="urn:schemas-microsoft-com:mac:vml" xmlns:p="http://schemas.openxmlformats.org/presentationml/2006/main" xmlns:c="http://schemas.openxmlformats.org/drawingml/2006/chart" xmlns:dgm="http://schemas.openxmlformats.org/drawingml/2006/diagram" xmlns:o="urn:schemas-microsoft-com:office:office" xmlns:v="urn:schemas-microsoft-com:vml" xmlns:pvml="urn:schemas-microsoft-com:office:powerpoint" xmlns:com="http://schemas.openxmlformats.org/drawingml/2006/compatibility" xmlns:p14="http://schemas.microsoft.com/office/powerpoint/2010/main" xmlns:p15="http://schemas.microsoft.com/office/powerpoint/2012/main" xmlns:ahyp="http://schemas.microsoft.com/office/drawing/2018/hyperlinkcolor" matchingName="01 Content slide">
+  <p:cSld name="Title Only">
     <p:spTree>
       <p:nvGrpSpPr>
         <p:cNvPr id="72" name="Shape 72"/>
@@ -3994,332 +4088,9 @@
           <a:chExt cx="0" cy="0"/>
         </a:xfrm>
       </p:grpSpPr>
-      <p:pic>
-        <p:nvPicPr>
-          <p:cNvPr id="73" name="Google Shape;73;p17"/>
-          <p:cNvPicPr preferRelativeResize="0"/>
-          <p:nvPr/>
-        </p:nvPicPr>
-        <p:blipFill rotWithShape="1">
-          <a:blip r:embed="rId2">
-            <a:alphaModFix/>
-          </a:blip>
-          <a:srcRect b="7942" l="18404" r="18416" t="7925"/>
-          <a:stretch/>
-        </p:blipFill>
-        <p:spPr>
-          <a:xfrm rot="-5400000">
-            <a:off x="1997775" y="-1997776"/>
-            <a:ext cx="5146145" cy="9141695"/>
-          </a:xfrm>
-          <a:prstGeom prst="rect">
-            <a:avLst/>
-          </a:prstGeom>
-          <a:noFill/>
-          <a:ln>
-            <a:noFill/>
-          </a:ln>
-        </p:spPr>
-      </p:pic>
       <p:sp>
         <p:nvSpPr>
-          <p:cNvPr id="74" name="Google Shape;74;p17"/>
-          <p:cNvSpPr/>
-          <p:nvPr/>
-        </p:nvSpPr>
-        <p:spPr>
-          <a:xfrm>
-            <a:off x="-6" y="284588"/>
-            <a:ext cx="3921000" cy="4574400"/>
-          </a:xfrm>
-          <a:prstGeom prst="rect">
-            <a:avLst/>
-          </a:prstGeom>
-          <a:solidFill>
-            <a:srgbClr val="FFFFFF"/>
-          </a:solidFill>
-          <a:ln>
-            <a:noFill/>
-          </a:ln>
-        </p:spPr>
-        <p:txBody>
-          <a:bodyPr anchorCtr="0" anchor="ctr" bIns="45725" lIns="45725" spcFirstLastPara="1" rIns="45725" wrap="square" tIns="45725">
-            <a:noAutofit/>
-          </a:bodyPr>
-          <a:lstStyle/>
-          <a:p>
-            <a:pPr indent="0" lvl="0" marL="0" rtl="0" algn="l">
-              <a:spcBef>
-                <a:spcPts val="0"/>
-              </a:spcBef>
-              <a:spcAft>
-                <a:spcPts val="0"/>
-              </a:spcAft>
-              <a:buNone/>
-            </a:pPr>
-            <a:r>
-              <a:t/>
-            </a:r>
-            <a:endParaRPr/>
-          </a:p>
-        </p:txBody>
-      </p:sp>
-      <p:sp>
-        <p:nvSpPr>
-          <p:cNvPr id="75" name="Google Shape;75;p17"/>
-          <p:cNvSpPr txBox="1"/>
-          <p:nvPr/>
-        </p:nvSpPr>
-        <p:spPr>
-          <a:xfrm>
-            <a:off x="266900" y="1071100"/>
-            <a:ext cx="3654300" cy="1761000"/>
-          </a:xfrm>
-          <a:prstGeom prst="rect">
-            <a:avLst/>
-          </a:prstGeom>
-          <a:noFill/>
-          <a:ln>
-            <a:noFill/>
-          </a:ln>
-        </p:spPr>
-        <p:txBody>
-          <a:bodyPr anchorCtr="0" anchor="ctr" bIns="51425" lIns="51425" spcFirstLastPara="1" rIns="51425" wrap="square" tIns="51425">
-            <a:noAutofit/>
-          </a:bodyPr>
-          <a:lstStyle/>
-          <a:p>
-            <a:pPr indent="0" lvl="0" marL="0" rtl="0" algn="l">
-              <a:lnSpc>
-                <a:spcPct val="100000"/>
-              </a:lnSpc>
-              <a:spcBef>
-                <a:spcPts val="0"/>
-              </a:spcBef>
-              <a:spcAft>
-                <a:spcPts val="0"/>
-              </a:spcAft>
-              <a:buNone/>
-            </a:pPr>
-            <a:r>
-              <a:rPr lang="en" sz="2500">
-                <a:latin typeface="Georgia"/>
-                <a:ea typeface="Georgia"/>
-                <a:cs typeface="Georgia"/>
-                <a:sym typeface="Georgia"/>
-              </a:rPr>
-              <a:t>Program Management Services for</a:t>
-            </a:r>
-            <a:br>
-              <a:rPr lang="en" sz="2500">
-                <a:latin typeface="Georgia"/>
-                <a:ea typeface="Georgia"/>
-                <a:cs typeface="Georgia"/>
-                <a:sym typeface="Georgia"/>
-              </a:rPr>
-            </a:br>
-            <a:r>
-              <a:rPr lang="en" sz="2500">
-                <a:latin typeface="Georgia"/>
-                <a:ea typeface="Georgia"/>
-                <a:cs typeface="Georgia"/>
-                <a:sym typeface="Georgia"/>
-              </a:rPr>
-              <a:t>'Enterprise Adoption of Tenders &amp; Contracts Capabilities' program</a:t>
-            </a:r>
-            <a:endParaRPr sz="2500">
-              <a:latin typeface="Georgia"/>
-              <a:ea typeface="Georgia"/>
-              <a:cs typeface="Georgia"/>
-              <a:sym typeface="Georgia"/>
-            </a:endParaRPr>
-          </a:p>
-        </p:txBody>
-      </p:sp>
-      <p:sp>
-        <p:nvSpPr>
-          <p:cNvPr id="76" name="Google Shape;76;p17"/>
-          <p:cNvSpPr txBox="1"/>
-          <p:nvPr/>
-        </p:nvSpPr>
-        <p:spPr>
-          <a:xfrm>
-            <a:off x="324050" y="474188"/>
-            <a:ext cx="3789300" cy="225600"/>
-          </a:xfrm>
-          <a:prstGeom prst="rect">
-            <a:avLst/>
-          </a:prstGeom>
-          <a:noFill/>
-          <a:ln>
-            <a:noFill/>
-          </a:ln>
-        </p:spPr>
-        <p:txBody>
-          <a:bodyPr anchorCtr="0" anchor="ctr" bIns="0" lIns="0" spcFirstLastPara="1" rIns="0" wrap="square" tIns="0">
-            <a:noAutofit/>
-          </a:bodyPr>
-          <a:lstStyle/>
-          <a:p>
-            <a:pPr indent="0" lvl="0" marL="0" marR="0" rtl="0" algn="l">
-              <a:lnSpc>
-                <a:spcPct val="100000"/>
-              </a:lnSpc>
-              <a:spcBef>
-                <a:spcPts val="0"/>
-              </a:spcBef>
-              <a:spcAft>
-                <a:spcPts val="0"/>
-              </a:spcAft>
-              <a:buClr>
-                <a:srgbClr val="000000"/>
-              </a:buClr>
-              <a:buSzPts val="500"/>
-              <a:buFont typeface="Arial"/>
-              <a:buNone/>
-            </a:pPr>
-            <a:r>
-              <a:rPr lang="en" sz="600">
-                <a:latin typeface="Helvetica Neue"/>
-                <a:ea typeface="Helvetica Neue"/>
-                <a:cs typeface="Helvetica Neue"/>
-                <a:sym typeface="Helvetica Neue"/>
-              </a:rPr>
-              <a:t>Confidential information for the sole benefit and use of PwC’s client</a:t>
-            </a:r>
-            <a:endParaRPr i="0" sz="600" u="none" cap="none" strike="noStrike">
-              <a:latin typeface="Helvetica Neue"/>
-              <a:ea typeface="Helvetica Neue"/>
-              <a:cs typeface="Helvetica Neue"/>
-              <a:sym typeface="Helvetica Neue"/>
-            </a:endParaRPr>
-          </a:p>
-        </p:txBody>
-      </p:sp>
-      <p:sp>
-        <p:nvSpPr>
-          <p:cNvPr id="77" name="Google Shape;77;p17"/>
-          <p:cNvSpPr txBox="1"/>
-          <p:nvPr/>
-        </p:nvSpPr>
-        <p:spPr>
-          <a:xfrm>
-            <a:off x="324050" y="3161763"/>
-            <a:ext cx="1200000" cy="225600"/>
-          </a:xfrm>
-          <a:prstGeom prst="rect">
-            <a:avLst/>
-          </a:prstGeom>
-          <a:solidFill>
-            <a:srgbClr val="000000"/>
-          </a:solidFill>
-          <a:ln>
-            <a:noFill/>
-          </a:ln>
-        </p:spPr>
-        <p:txBody>
-          <a:bodyPr anchorCtr="0" anchor="ctr" bIns="25700" lIns="51425" spcFirstLastPara="1" rIns="51425" wrap="square" tIns="25700">
-            <a:noAutofit/>
-          </a:bodyPr>
-          <a:lstStyle/>
-          <a:p>
-            <a:pPr indent="0" lvl="0" marL="0" marR="0" rtl="0" algn="ctr">
-              <a:lnSpc>
-                <a:spcPct val="100000"/>
-              </a:lnSpc>
-              <a:spcBef>
-                <a:spcPts val="0"/>
-              </a:spcBef>
-              <a:spcAft>
-                <a:spcPts val="0"/>
-              </a:spcAft>
-              <a:buClr>
-                <a:srgbClr val="000000"/>
-              </a:buClr>
-              <a:buSzPts val="500"/>
-              <a:buFont typeface="Arial"/>
-              <a:buNone/>
-            </a:pPr>
-            <a:r>
-              <a:rPr b="1" lang="en" sz="800">
-                <a:solidFill>
-                  <a:srgbClr val="FFFFFF"/>
-                </a:solidFill>
-                <a:latin typeface="Helvetica Neue"/>
-                <a:ea typeface="Helvetica Neue"/>
-                <a:cs typeface="Helvetica Neue"/>
-                <a:sym typeface="Helvetica Neue"/>
-              </a:rPr>
-              <a:t>November 17, 2020</a:t>
-            </a:r>
-            <a:endParaRPr b="1" i="0" sz="800" u="none" cap="none" strike="noStrike">
-              <a:solidFill>
-                <a:srgbClr val="FFFFFF"/>
-              </a:solidFill>
-              <a:latin typeface="Helvetica Neue"/>
-              <a:ea typeface="Helvetica Neue"/>
-              <a:cs typeface="Helvetica Neue"/>
-              <a:sym typeface="Helvetica Neue"/>
-            </a:endParaRPr>
-          </a:p>
-        </p:txBody>
-      </p:sp>
-      <p:pic>
-        <p:nvPicPr>
-          <p:cNvPr id="78" name="Google Shape;78;p17"/>
-          <p:cNvPicPr preferRelativeResize="0"/>
-          <p:nvPr/>
-        </p:nvPicPr>
-        <p:blipFill>
-          <a:blip r:embed="rId3">
-            <a:alphaModFix/>
-          </a:blip>
-          <a:stretch>
-            <a:fillRect/>
-          </a:stretch>
-        </p:blipFill>
-        <p:spPr>
-          <a:xfrm>
-            <a:off x="324050" y="4151599"/>
-            <a:ext cx="552112" cy="419463"/>
-          </a:xfrm>
-          <a:prstGeom prst="rect">
-            <a:avLst/>
-          </a:prstGeom>
-          <a:noFill/>
-          <a:ln>
-            <a:noFill/>
-          </a:ln>
-        </p:spPr>
-      </p:pic>
-    </p:spTree>
-  </p:cSld>
-  <p:clrMapOvr>
-    <a:masterClrMapping/>
-  </p:clrMapOvr>
-</p:sldLayout>
-</file>
-
-<file path=ppt/slideLayouts/slideLayout16.xml><?xml version="1.0" encoding="utf-8"?>
-<p:sldLayout xmlns:a="http://schemas.openxmlformats.org/drawingml/2006/main" xmlns:r="http://schemas.openxmlformats.org/officeDocument/2006/relationships" xmlns:mc="http://schemas.openxmlformats.org/markup-compatibility/2006" xmlns:mv="urn:schemas-microsoft-com:mac:vml" xmlns:p="http://schemas.openxmlformats.org/presentationml/2006/main" xmlns:c="http://schemas.openxmlformats.org/drawingml/2006/chart" xmlns:dgm="http://schemas.openxmlformats.org/drawingml/2006/diagram" xmlns:o="urn:schemas-microsoft-com:office:office" xmlns:v="urn:schemas-microsoft-com:vml" xmlns:pvml="urn:schemas-microsoft-com:office:powerpoint" xmlns:com="http://schemas.openxmlformats.org/drawingml/2006/compatibility" xmlns:p14="http://schemas.microsoft.com/office/powerpoint/2010/main" xmlns:p15="http://schemas.microsoft.com/office/powerpoint/2012/main" xmlns:ahyp="http://schemas.microsoft.com/office/drawing/2018/hyperlinkcolor" matchingName="01 Content slide">
-  <p:cSld name="Title Only">
-    <p:spTree>
-      <p:nvGrpSpPr>
-        <p:cNvPr id="79" name="Shape 79"/>
-        <p:cNvGrpSpPr/>
-        <p:nvPr/>
-      </p:nvGrpSpPr>
-      <p:grpSpPr>
-        <a:xfrm>
-          <a:off x="0" y="0"/>
-          <a:ext cx="0" cy="0"/>
-          <a:chOff x="0" y="0"/>
-          <a:chExt cx="0" cy="0"/>
-        </a:xfrm>
-      </p:grpSpPr>
-      <p:sp>
-        <p:nvSpPr>
-          <p:cNvPr id="80" name="Google Shape;80;p18"/>
+          <p:cNvPr id="73" name="Google Shape;73;p17"/>
           <p:cNvSpPr txBox="1"/>
           <p:nvPr>
             <p:ph type="title"/>
@@ -4487,7 +4258,7 @@
       </p:sp>
       <p:sp>
         <p:nvSpPr>
-          <p:cNvPr id="81" name="Google Shape;81;p18"/>
+          <p:cNvPr id="74" name="Google Shape;74;p17"/>
           <p:cNvSpPr txBox="1"/>
           <p:nvPr>
             <p:ph idx="12" type="sldNum"/>
@@ -4772,12 +4543,12 @@
 </p:sldLayout>
 </file>
 
-<file path=ppt/slideLayouts/slideLayout17.xml><?xml version="1.0" encoding="utf-8"?>
+<file path=ppt/slideLayouts/slideLayout16.xml><?xml version="1.0" encoding="utf-8"?>
 <p:sldLayout xmlns:a="http://schemas.openxmlformats.org/drawingml/2006/main" xmlns:r="http://schemas.openxmlformats.org/officeDocument/2006/relationships" xmlns:mc="http://schemas.openxmlformats.org/markup-compatibility/2006" xmlns:mv="urn:schemas-microsoft-com:mac:vml" xmlns:p="http://schemas.openxmlformats.org/presentationml/2006/main" xmlns:c="http://schemas.openxmlformats.org/drawingml/2006/chart" xmlns:dgm="http://schemas.openxmlformats.org/drawingml/2006/diagram" xmlns:o="urn:schemas-microsoft-com:office:office" xmlns:v="urn:schemas-microsoft-com:vml" xmlns:pvml="urn:schemas-microsoft-com:office:powerpoint" xmlns:com="http://schemas.openxmlformats.org/drawingml/2006/compatibility" xmlns:p14="http://schemas.microsoft.com/office/powerpoint/2010/main" xmlns:p15="http://schemas.microsoft.com/office/powerpoint/2012/main" xmlns:ahyp="http://schemas.microsoft.com/office/drawing/2018/hyperlinkcolor" matchingName="02 Blank">
   <p:cSld name="CUSTOM">
     <p:spTree>
       <p:nvGrpSpPr>
-        <p:cNvPr id="82" name="Shape 82"/>
+        <p:cNvPr id="75" name="Shape 75"/>
         <p:cNvGrpSpPr/>
         <p:nvPr/>
       </p:nvGrpSpPr>
@@ -4797,19 +4568,12 @@
 </p:sldLayout>
 </file>
 
-<file path=ppt/slideLayouts/slideLayout18.xml><?xml version="1.0" encoding="utf-8"?>
-<p:sldLayout xmlns:a="http://schemas.openxmlformats.org/drawingml/2006/main" xmlns:r="http://schemas.openxmlformats.org/officeDocument/2006/relationships" xmlns:mc="http://schemas.openxmlformats.org/markup-compatibility/2006" xmlns:mv="urn:schemas-microsoft-com:mac:vml" xmlns:p="http://schemas.openxmlformats.org/presentationml/2006/main" xmlns:c="http://schemas.openxmlformats.org/drawingml/2006/chart" xmlns:dgm="http://schemas.openxmlformats.org/drawingml/2006/diagram" xmlns:o="urn:schemas-microsoft-com:office:office" xmlns:v="urn:schemas-microsoft-com:vml" xmlns:pvml="urn:schemas-microsoft-com:office:powerpoint" xmlns:com="http://schemas.openxmlformats.org/drawingml/2006/compatibility" xmlns:p14="http://schemas.microsoft.com/office/powerpoint/2010/main" xmlns:p15="http://schemas.microsoft.com/office/powerpoint/2012/main" xmlns:ahyp="http://schemas.microsoft.com/office/drawing/2018/hyperlinkcolor" matchingName="03 Thank You" showMasterSp="0">
-  <p:cSld name="Thank You Dark">
-    <p:bg>
-      <p:bgPr>
-        <a:solidFill>
-          <a:srgbClr val="FFFFFF"/>
-        </a:solidFill>
-      </p:bgPr>
-    </p:bg>
+<file path=ppt/slideLayouts/slideLayout17.xml><?xml version="1.0" encoding="utf-8"?>
+<p:sldLayout xmlns:a="http://schemas.openxmlformats.org/drawingml/2006/main" xmlns:r="http://schemas.openxmlformats.org/officeDocument/2006/relationships" xmlns:mc="http://schemas.openxmlformats.org/markup-compatibility/2006" xmlns:mv="urn:schemas-microsoft-com:mac:vml" xmlns:p="http://schemas.openxmlformats.org/presentationml/2006/main" xmlns:c="http://schemas.openxmlformats.org/drawingml/2006/chart" xmlns:dgm="http://schemas.openxmlformats.org/drawingml/2006/diagram" xmlns:o="urn:schemas-microsoft-com:office:office" xmlns:v="urn:schemas-microsoft-com:vml" xmlns:pvml="urn:schemas-microsoft-com:office:powerpoint" xmlns:com="http://schemas.openxmlformats.org/drawingml/2006/compatibility" xmlns:p14="http://schemas.microsoft.com/office/powerpoint/2010/main" xmlns:p15="http://schemas.microsoft.com/office/powerpoint/2012/main" xmlns:ahyp="http://schemas.microsoft.com/office/drawing/2018/hyperlinkcolor" matchingName="Five Content - Subtitle">
+  <p:cSld name="Five Content - Subtitle">
     <p:spTree>
       <p:nvGrpSpPr>
-        <p:cNvPr id="83" name="Shape 83"/>
+        <p:cNvPr id="76" name="Shape 76"/>
         <p:cNvGrpSpPr/>
         <p:nvPr/>
       </p:nvGrpSpPr>
@@ -4823,224 +4587,7 @@
       </p:grpSpPr>
       <p:sp>
         <p:nvSpPr>
-          <p:cNvPr id="84" name="Google Shape;84;p20"/>
-          <p:cNvSpPr txBox="1"/>
-          <p:nvPr/>
-        </p:nvSpPr>
-        <p:spPr>
-          <a:xfrm>
-            <a:off x="4259397" y="4595638"/>
-            <a:ext cx="625200" cy="170400"/>
-          </a:xfrm>
-          <a:prstGeom prst="rect">
-            <a:avLst/>
-          </a:prstGeom>
-          <a:noFill/>
-          <a:ln cap="flat" cmpd="sng" w="9525">
-            <a:solidFill>
-              <a:srgbClr val="B7B7B7"/>
-            </a:solidFill>
-            <a:prstDash val="solid"/>
-            <a:round/>
-            <a:headEnd len="sm" w="sm" type="none"/>
-            <a:tailEnd len="sm" w="sm" type="none"/>
-          </a:ln>
-        </p:spPr>
-        <p:txBody>
-          <a:bodyPr anchorCtr="0" anchor="ctr" bIns="0" lIns="0" spcFirstLastPara="1" rIns="0" wrap="square" tIns="0">
-            <a:noAutofit/>
-          </a:bodyPr>
-          <a:lstStyle/>
-          <a:p>
-            <a:pPr indent="0" lvl="0" marL="0" marR="0" rtl="0" algn="ctr">
-              <a:lnSpc>
-                <a:spcPct val="100000"/>
-              </a:lnSpc>
-              <a:spcBef>
-                <a:spcPts val="0"/>
-              </a:spcBef>
-              <a:spcAft>
-                <a:spcPts val="0"/>
-              </a:spcAft>
-              <a:buClr>
-                <a:schemeClr val="lt1"/>
-              </a:buClr>
-              <a:buSzPts val="800"/>
-              <a:buFont typeface="Arial"/>
-              <a:buNone/>
-            </a:pPr>
-            <a:r>
-              <a:rPr b="1" i="0" lang="en" sz="500" u="none" cap="none" strike="noStrike">
-                <a:solidFill>
-                  <a:srgbClr val="B7B7B7"/>
-                </a:solidFill>
-                <a:latin typeface="Helvetica Neue"/>
-                <a:ea typeface="Helvetica Neue"/>
-                <a:cs typeface="Helvetica Neue"/>
-                <a:sym typeface="Helvetica Neue"/>
-              </a:rPr>
-              <a:t>pwc.com</a:t>
-            </a:r>
-            <a:endParaRPr b="1" i="0" sz="500" u="none" cap="none" strike="noStrike">
-              <a:solidFill>
-                <a:srgbClr val="B7B7B7"/>
-              </a:solidFill>
-              <a:latin typeface="Helvetica Neue"/>
-              <a:ea typeface="Helvetica Neue"/>
-              <a:cs typeface="Helvetica Neue"/>
-              <a:sym typeface="Helvetica Neue"/>
-            </a:endParaRPr>
-          </a:p>
-        </p:txBody>
-      </p:sp>
-      <p:sp>
-        <p:nvSpPr>
-          <p:cNvPr id="85" name="Google Shape;85;p20"/>
-          <p:cNvSpPr txBox="1"/>
-          <p:nvPr/>
-        </p:nvSpPr>
-        <p:spPr>
-          <a:xfrm>
-            <a:off x="3124941" y="4246849"/>
-            <a:ext cx="2894100" cy="219600"/>
-          </a:xfrm>
-          <a:prstGeom prst="rect">
-            <a:avLst/>
-          </a:prstGeom>
-          <a:noFill/>
-          <a:ln>
-            <a:noFill/>
-          </a:ln>
-        </p:spPr>
-        <p:txBody>
-          <a:bodyPr anchorCtr="0" anchor="t" bIns="0" lIns="0" spcFirstLastPara="1" rIns="0" wrap="square" tIns="0">
-            <a:noAutofit/>
-          </a:bodyPr>
-          <a:lstStyle/>
-          <a:p>
-            <a:pPr indent="0" lvl="0" marL="0" rtl="0" algn="ctr">
-              <a:spcBef>
-                <a:spcPts val="0"/>
-              </a:spcBef>
-              <a:spcAft>
-                <a:spcPts val="0"/>
-              </a:spcAft>
-              <a:buClr>
-                <a:schemeClr val="dk1"/>
-              </a:buClr>
-              <a:buSzPts val="900"/>
-              <a:buFont typeface="Arial"/>
-              <a:buNone/>
-            </a:pPr>
-            <a:r>
-              <a:rPr lang="en" sz="500">
-                <a:solidFill>
-                  <a:srgbClr val="B7B7B7"/>
-                </a:solidFill>
-                <a:latin typeface="Helvetica Neue"/>
-                <a:ea typeface="Helvetica Neue"/>
-                <a:cs typeface="Helvetica Neue"/>
-                <a:sym typeface="Helvetica Neue"/>
-              </a:rPr>
-              <a:t>© 2020 PwC. All rights reserved. PwC refers to the US member firm or one of its subsidiaries or affiliates, and may sometimes refer to the PwC network. Each member firm is a separate legal entity. Please see www.pwc.com/structure for further details. 1408431-2021</a:t>
-            </a:r>
-            <a:endParaRPr sz="500">
-              <a:solidFill>
-                <a:srgbClr val="B7B7B7"/>
-              </a:solidFill>
-              <a:latin typeface="Helvetica Neue"/>
-              <a:ea typeface="Helvetica Neue"/>
-              <a:cs typeface="Helvetica Neue"/>
-              <a:sym typeface="Helvetica Neue"/>
-            </a:endParaRPr>
-          </a:p>
-        </p:txBody>
-      </p:sp>
-      <p:sp>
-        <p:nvSpPr>
-          <p:cNvPr id="86" name="Google Shape;86;p20"/>
-          <p:cNvSpPr txBox="1"/>
-          <p:nvPr/>
-        </p:nvSpPr>
-        <p:spPr>
-          <a:xfrm>
-            <a:off x="2731953" y="2184372"/>
-            <a:ext cx="3680100" cy="774600"/>
-          </a:xfrm>
-          <a:prstGeom prst="rect">
-            <a:avLst/>
-          </a:prstGeom>
-          <a:noFill/>
-          <a:ln>
-            <a:noFill/>
-          </a:ln>
-        </p:spPr>
-        <p:txBody>
-          <a:bodyPr anchorCtr="0" anchor="t" bIns="0" lIns="0" spcFirstLastPara="1" rIns="0" wrap="square" tIns="0">
-            <a:noAutofit/>
-          </a:bodyPr>
-          <a:lstStyle/>
-          <a:p>
-            <a:pPr indent="0" lvl="0" marL="0" rtl="0" algn="ctr">
-              <a:spcBef>
-                <a:spcPts val="0"/>
-              </a:spcBef>
-              <a:spcAft>
-                <a:spcPts val="0"/>
-              </a:spcAft>
-              <a:buClr>
-                <a:schemeClr val="dk1"/>
-              </a:buClr>
-              <a:buSzPts val="900"/>
-              <a:buFont typeface="Arial"/>
-              <a:buNone/>
-            </a:pPr>
-            <a:r>
-              <a:rPr lang="en" sz="4500">
-                <a:latin typeface="Georgia"/>
-                <a:ea typeface="Georgia"/>
-                <a:cs typeface="Georgia"/>
-                <a:sym typeface="Georgia"/>
-              </a:rPr>
-              <a:t>Thank you</a:t>
-            </a:r>
-            <a:endParaRPr sz="4500">
-              <a:latin typeface="Georgia"/>
-              <a:ea typeface="Georgia"/>
-              <a:cs typeface="Georgia"/>
-              <a:sym typeface="Georgia"/>
-            </a:endParaRPr>
-          </a:p>
-        </p:txBody>
-      </p:sp>
-    </p:spTree>
-  </p:cSld>
-  <p:clrMapOvr>
-    <a:masterClrMapping/>
-  </p:clrMapOvr>
-</p:sldLayout>
-</file>
-
-<file path=ppt/slideLayouts/slideLayout19.xml><?xml version="1.0" encoding="utf-8"?>
-<p:sldLayout xmlns:a="http://schemas.openxmlformats.org/drawingml/2006/main" xmlns:r="http://schemas.openxmlformats.org/officeDocument/2006/relationships" xmlns:mc="http://schemas.openxmlformats.org/markup-compatibility/2006" xmlns:mv="urn:schemas-microsoft-com:mac:vml" xmlns:p="http://schemas.openxmlformats.org/presentationml/2006/main" xmlns:c="http://schemas.openxmlformats.org/drawingml/2006/chart" xmlns:dgm="http://schemas.openxmlformats.org/drawingml/2006/diagram" xmlns:o="urn:schemas-microsoft-com:office:office" xmlns:v="urn:schemas-microsoft-com:vml" xmlns:pvml="urn:schemas-microsoft-com:office:powerpoint" xmlns:com="http://schemas.openxmlformats.org/drawingml/2006/compatibility" xmlns:p14="http://schemas.microsoft.com/office/powerpoint/2010/main" xmlns:p15="http://schemas.microsoft.com/office/powerpoint/2012/main" xmlns:ahyp="http://schemas.microsoft.com/office/drawing/2018/hyperlinkcolor" matchingName="Five Content - Subtitle">
-  <p:cSld name="Five Content - Subtitle">
-    <p:spTree>
-      <p:nvGrpSpPr>
-        <p:cNvPr id="87" name="Shape 87"/>
-        <p:cNvGrpSpPr/>
-        <p:nvPr/>
-      </p:nvGrpSpPr>
-      <p:grpSpPr>
-        <a:xfrm>
-          <a:off x="0" y="0"/>
-          <a:ext cx="0" cy="0"/>
-          <a:chOff x="0" y="0"/>
-          <a:chExt cx="0" cy="0"/>
-        </a:xfrm>
-      </p:grpSpPr>
-      <p:sp>
-        <p:nvSpPr>
-          <p:cNvPr id="88" name="Google Shape;88;p21"/>
+          <p:cNvPr id="77" name="Google Shape;77;p19"/>
           <p:cNvSpPr txBox="1"/>
           <p:nvPr>
             <p:ph idx="1" type="body"/>
@@ -5223,7 +4770,7 @@
       </p:sp>
       <p:sp>
         <p:nvSpPr>
-          <p:cNvPr id="89" name="Google Shape;89;p21"/>
+          <p:cNvPr id="78" name="Google Shape;78;p19"/>
           <p:cNvSpPr txBox="1"/>
           <p:nvPr>
             <p:ph idx="2" type="body"/>
@@ -5406,7 +4953,7 @@
       </p:sp>
       <p:sp>
         <p:nvSpPr>
-          <p:cNvPr id="90" name="Google Shape;90;p21"/>
+          <p:cNvPr id="79" name="Google Shape;79;p19"/>
           <p:cNvSpPr txBox="1"/>
           <p:nvPr>
             <p:ph idx="3" type="body"/>
@@ -5589,7 +5136,7 @@
       </p:sp>
       <p:sp>
         <p:nvSpPr>
-          <p:cNvPr id="91" name="Google Shape;91;p21"/>
+          <p:cNvPr id="80" name="Google Shape;80;p19"/>
           <p:cNvSpPr txBox="1"/>
           <p:nvPr>
             <p:ph idx="4" type="body"/>
@@ -5772,7 +5319,7 @@
       </p:sp>
       <p:sp>
         <p:nvSpPr>
-          <p:cNvPr id="92" name="Google Shape;92;p21"/>
+          <p:cNvPr id="81" name="Google Shape;81;p19"/>
           <p:cNvSpPr txBox="1"/>
           <p:nvPr>
             <p:ph idx="5" type="body"/>
@@ -5955,7 +5502,7 @@
       </p:sp>
       <p:sp>
         <p:nvSpPr>
-          <p:cNvPr id="93" name="Google Shape;93;p21"/>
+          <p:cNvPr id="82" name="Google Shape;82;p19"/>
           <p:cNvSpPr txBox="1"/>
           <p:nvPr>
             <p:ph type="title"/>
@@ -6091,7 +5638,7 @@
       </p:sp>
       <p:sp>
         <p:nvSpPr>
-          <p:cNvPr id="94" name="Google Shape;94;p21"/>
+          <p:cNvPr id="83" name="Google Shape;83;p19"/>
           <p:cNvSpPr txBox="1"/>
           <p:nvPr>
             <p:ph idx="12" type="sldNum"/>
@@ -6199,7 +5746,7 @@
       </p:sp>
       <p:sp>
         <p:nvSpPr>
-          <p:cNvPr id="95" name="Google Shape;95;p21"/>
+          <p:cNvPr id="84" name="Google Shape;84;p19"/>
           <p:cNvSpPr txBox="1"/>
           <p:nvPr>
             <p:ph idx="6" type="subTitle"/>
@@ -6386,7 +5933,7 @@
       </p:sp>
       <p:sp>
         <p:nvSpPr>
-          <p:cNvPr id="96" name="Google Shape;96;p21"/>
+          <p:cNvPr id="85" name="Google Shape;85;p19"/>
           <p:cNvSpPr txBox="1"/>
           <p:nvPr>
             <p:ph idx="10" type="dt"/>
@@ -6515,7 +6062,7 @@
       </p:sp>
       <p:sp>
         <p:nvSpPr>
-          <p:cNvPr id="97" name="Google Shape;97;p21"/>
+          <p:cNvPr id="86" name="Google Shape;86;p19"/>
           <p:cNvSpPr txBox="1"/>
           <p:nvPr>
             <p:ph idx="11" type="ftr"/>
@@ -11024,8 +10571,6 @@
     <p:sldLayoutId id="2147483662" r:id="rId1"/>
     <p:sldLayoutId id="2147483663" r:id="rId2"/>
     <p:sldLayoutId id="2147483664" r:id="rId3"/>
-    <p:sldLayoutId id="2147483665" r:id="rId4"/>
-    <p:sldLayoutId id="2147483666" r:id="rId5"/>
   </p:sldLayoutIdLst>
   <p:hf dt="0" ftr="0" hdr="0" sldNum="0"/>
   <p:txStyles>
@@ -11771,7 +11316,7 @@
   <p:cSld>
     <p:spTree>
       <p:nvGrpSpPr>
-        <p:cNvPr id="101" name="Shape 101"/>
+        <p:cNvPr id="90" name="Shape 90"/>
         <p:cNvGrpSpPr/>
         <p:nvPr/>
       </p:nvGrpSpPr>
@@ -11785,7 +11330,7 @@
       </p:grpSpPr>
       <p:sp>
         <p:nvSpPr>
-          <p:cNvPr id="102" name="Google Shape;102;p22"/>
+          <p:cNvPr id="91" name="Google Shape;91;p20"/>
           <p:cNvSpPr txBox="1"/>
           <p:nvPr>
             <p:ph idx="1" type="subTitle"/>
@@ -11842,7 +11387,7 @@
       </p:sp>
       <p:pic>
         <p:nvPicPr>
-          <p:cNvPr id="103" name="Google Shape;103;p22"/>
+          <p:cNvPr id="92" name="Google Shape;92;p20"/>
           <p:cNvPicPr preferRelativeResize="0"/>
           <p:nvPr/>
         </p:nvPicPr>
@@ -11870,7 +11415,7 @@
       </p:pic>
       <p:sp>
         <p:nvSpPr>
-          <p:cNvPr id="104" name="Google Shape;104;p22"/>
+          <p:cNvPr id="93" name="Google Shape;93;p20"/>
           <p:cNvSpPr/>
           <p:nvPr/>
         </p:nvSpPr>
@@ -11994,7 +11539,7 @@
       </p:sp>
       <p:sp>
         <p:nvSpPr>
-          <p:cNvPr id="105" name="Google Shape;105;p22"/>
+          <p:cNvPr id="94" name="Google Shape;94;p20"/>
           <p:cNvSpPr txBox="1"/>
           <p:nvPr>
             <p:ph type="ctrTitle"/>
@@ -12049,7 +11594,7 @@
       </p:sp>
       <p:pic>
         <p:nvPicPr>
-          <p:cNvPr id="106" name="Google Shape;106;p22"/>
+          <p:cNvPr id="95" name="Google Shape;95;p20"/>
           <p:cNvPicPr preferRelativeResize="0"/>
           <p:nvPr/>
         </p:nvPicPr>
@@ -12088,7 +11633,7 @@
   <p:cSld>
     <p:spTree>
       <p:nvGrpSpPr>
-        <p:cNvPr id="110" name="Shape 110"/>
+        <p:cNvPr id="99" name="Shape 99"/>
         <p:cNvGrpSpPr/>
         <p:nvPr/>
       </p:nvGrpSpPr>
@@ -12102,7 +11647,7 @@
       </p:grpSpPr>
       <p:graphicFrame>
         <p:nvGraphicFramePr>
-          <p:cNvPr id="111" name="Google Shape;111;p23"/>
+          <p:cNvPr id="100" name="Google Shape;100;p21"/>
           <p:cNvGraphicFramePr/>
           <p:nvPr/>
         </p:nvGraphicFramePr>
@@ -12115,7 +11660,7 @@
             <a:tbl>
               <a:tblPr>
                 <a:noFill/>
-                <a:tableStyleId>{A0EAE48C-5507-4B33-AA6B-AAC2F005ED5C}</a:tableStyleId>
+                <a:tableStyleId>{699C05AF-0236-40F3-87FF-7B2FF339624E}</a:tableStyleId>
               </a:tblPr>
               <a:tblGrid>
                 <a:gridCol w="383600"/>
@@ -12931,7 +12476,7 @@
       </p:graphicFrame>
       <p:sp>
         <p:nvSpPr>
-          <p:cNvPr id="112" name="Google Shape;112;p23"/>
+          <p:cNvPr id="101" name="Google Shape;101;p21"/>
           <p:cNvSpPr txBox="1"/>
           <p:nvPr>
             <p:ph idx="12" type="sldNum"/>
@@ -12984,7 +12529,7 @@
       </p:sp>
       <p:pic>
         <p:nvPicPr>
-          <p:cNvPr id="113" name="Google Shape;113;p23"/>
+          <p:cNvPr id="102" name="Google Shape;102;p21"/>
           <p:cNvPicPr preferRelativeResize="0"/>
           <p:nvPr/>
         </p:nvPicPr>
@@ -13012,7 +12557,7 @@
       </p:pic>
       <p:pic>
         <p:nvPicPr>
-          <p:cNvPr id="114" name="Google Shape;114;p23"/>
+          <p:cNvPr id="103" name="Google Shape;103;p21"/>
           <p:cNvPicPr preferRelativeResize="0"/>
           <p:nvPr/>
         </p:nvPicPr>
@@ -13051,7 +12596,7 @@
   <p:cSld>
     <p:spTree>
       <p:nvGrpSpPr>
-        <p:cNvPr id="118" name="Shape 118"/>
+        <p:cNvPr id="107" name="Shape 107"/>
         <p:cNvGrpSpPr/>
         <p:nvPr/>
       </p:nvGrpSpPr>
@@ -13065,7 +12610,7 @@
       </p:grpSpPr>
       <p:pic>
         <p:nvPicPr>
-          <p:cNvPr id="119" name="Google Shape;119;p24"/>
+          <p:cNvPr id="108" name="Google Shape;108;p22"/>
           <p:cNvPicPr preferRelativeResize="0"/>
           <p:nvPr/>
         </p:nvPicPr>
@@ -13093,7 +12638,7 @@
       </p:pic>
       <p:pic>
         <p:nvPicPr>
-          <p:cNvPr id="120" name="Google Shape;120;p24"/>
+          <p:cNvPr id="109" name="Google Shape;109;p22"/>
           <p:cNvPicPr preferRelativeResize="0"/>
           <p:nvPr/>
         </p:nvPicPr>
@@ -13121,7 +12666,7 @@
       </p:pic>
       <p:sp>
         <p:nvSpPr>
-          <p:cNvPr id="121" name="Google Shape;121;p24"/>
+          <p:cNvPr id="110" name="Google Shape;110;p22"/>
           <p:cNvSpPr txBox="1"/>
           <p:nvPr>
             <p:ph type="title"/>
@@ -13161,7 +12706,7 @@
       </p:sp>
       <p:pic>
         <p:nvPicPr>
-          <p:cNvPr id="122" name="Google Shape;122;p24"/>
+          <p:cNvPr id="111" name="Google Shape;111;p22"/>
           <p:cNvPicPr preferRelativeResize="0"/>
           <p:nvPr/>
         </p:nvPicPr>
@@ -13189,7 +12734,7 @@
       </p:pic>
       <p:pic>
         <p:nvPicPr>
-          <p:cNvPr id="123" name="Google Shape;123;p24"/>
+          <p:cNvPr id="112" name="Google Shape;112;p22"/>
           <p:cNvPicPr preferRelativeResize="0"/>
           <p:nvPr/>
         </p:nvPicPr>
@@ -13216,7 +12761,7 @@
       </p:pic>
       <p:sp>
         <p:nvSpPr>
-          <p:cNvPr id="124" name="Google Shape;124;p24"/>
+          <p:cNvPr id="113" name="Google Shape;113;p22"/>
           <p:cNvSpPr txBox="1"/>
           <p:nvPr/>
         </p:nvSpPr>
@@ -13239,7 +12784,7 @@
           </a:bodyPr>
           <a:lstStyle/>
           <a:p>
-            <a:pPr indent="0" lvl="0" marL="0" marR="0" rtl="0" algn="l">
+            <a:pPr indent="-304800" lvl="0" marL="457200" marR="0" rtl="0" algn="l">
               <a:lnSpc>
                 <a:spcPct val="100000"/>
               </a:lnSpc>
@@ -13249,11 +12794,12 @@
               <a:spcAft>
                 <a:spcPts val="0"/>
               </a:spcAft>
-              <a:buNone/>
+              <a:buSzPts val="1200"/>
+              <a:buChar char="●"/>
             </a:pPr>
             <a:r>
               <a:rPr lang="en" sz="1200"/>
-              <a:t>Over the month of December, Paris can be seen to provide the most number of </a:t>
+              <a:t>Paris can be seen to provide the most number of </a:t>
             </a:r>
             <a:r>
               <a:rPr lang="en" sz="1200"/>
@@ -13269,15 +12815,83 @@
             </a:r>
             <a:r>
               <a:rPr lang="en" sz="1200"/>
-              <a:t> in relation to the other zones with also a large sum of deliveries flowing through. Though Paris has a high rate of deliveries, the overall success rate of deliveries that are on time is just above 50% and </a:t>
+              <a:t> </a:t>
             </a:r>
+            <a:endParaRPr sz="1200"/>
+          </a:p>
+          <a:p>
+            <a:pPr indent="0" lvl="0" marL="457200" marR="0" rtl="0" algn="l">
+              <a:lnSpc>
+                <a:spcPct val="100000"/>
+              </a:lnSpc>
+              <a:spcBef>
+                <a:spcPts val="0"/>
+              </a:spcBef>
+              <a:spcAft>
+                <a:spcPts val="0"/>
+              </a:spcAft>
+              <a:buNone/>
+            </a:pPr>
+            <a:r>
+              <a:t/>
+            </a:r>
+            <a:endParaRPr sz="1200"/>
+          </a:p>
+          <a:p>
+            <a:pPr indent="-304800" lvl="0" marL="457200" marR="0" rtl="0" algn="l">
+              <a:lnSpc>
+                <a:spcPct val="100000"/>
+              </a:lnSpc>
+              <a:spcBef>
+                <a:spcPts val="0"/>
+              </a:spcBef>
+              <a:spcAft>
+                <a:spcPts val="0"/>
+              </a:spcAft>
+              <a:buSzPts val="1200"/>
+              <a:buChar char="●"/>
+            </a:pPr>
             <a:r>
               <a:rPr lang="en" sz="1200"/>
-              <a:t>therefore</a:t>
+              <a:t>Largest sum of deliveries occur in Paris. </a:t>
             </a:r>
+            <a:endParaRPr sz="1200"/>
+          </a:p>
+          <a:p>
+            <a:pPr indent="0" lvl="0" marL="457200" marR="0" rtl="0" algn="l">
+              <a:lnSpc>
+                <a:spcPct val="100000"/>
+              </a:lnSpc>
+              <a:spcBef>
+                <a:spcPts val="0"/>
+              </a:spcBef>
+              <a:spcAft>
+                <a:spcPts val="0"/>
+              </a:spcAft>
+              <a:buNone/>
+            </a:pPr>
+            <a:r>
+              <a:t/>
+            </a:r>
+            <a:endParaRPr sz="1200"/>
+          </a:p>
+          <a:p>
+            <a:pPr indent="-304800" lvl="0" marL="457200" marR="0" rtl="0" algn="l">
+              <a:lnSpc>
+                <a:spcPct val="100000"/>
+              </a:lnSpc>
+              <a:spcBef>
+                <a:spcPts val="0"/>
+              </a:spcBef>
+              <a:spcAft>
+                <a:spcPts val="0"/>
+              </a:spcAft>
+              <a:buSzPts val="1200"/>
+              <a:buChar char="●"/>
+            </a:pPr>
             <a:r>
               <a:rPr lang="en" sz="1200"/>
-              <a:t> could be improved on.</a:t>
+              <a:t>Success rate of deliveries are just above average.</a:t>
             </a:r>
             <a:endParaRPr/>
           </a:p>
@@ -13285,7 +12899,7 @@
       </p:sp>
       <p:cxnSp>
         <p:nvCxnSpPr>
-          <p:cNvPr id="125" name="Google Shape;125;p24"/>
+          <p:cNvPr id="114" name="Google Shape;114;p22"/>
           <p:cNvCxnSpPr/>
           <p:nvPr/>
         </p:nvCxnSpPr>
@@ -13311,7 +12925,7 @@
       </p:cxnSp>
       <p:cxnSp>
         <p:nvCxnSpPr>
-          <p:cNvPr id="126" name="Google Shape;126;p24"/>
+          <p:cNvPr id="115" name="Google Shape;115;p22"/>
           <p:cNvCxnSpPr/>
           <p:nvPr/>
         </p:nvCxnSpPr>
@@ -13337,7 +12951,7 @@
       </p:cxnSp>
       <p:sp>
         <p:nvSpPr>
-          <p:cNvPr id="127" name="Google Shape;127;p24"/>
+          <p:cNvPr id="116" name="Google Shape;116;p22"/>
           <p:cNvSpPr txBox="1"/>
           <p:nvPr>
             <p:ph type="title"/>
@@ -13377,7 +12991,7 @@
       </p:sp>
       <p:pic>
         <p:nvPicPr>
-          <p:cNvPr id="128" name="Google Shape;128;p24"/>
+          <p:cNvPr id="117" name="Google Shape;117;p22"/>
           <p:cNvPicPr preferRelativeResize="0"/>
           <p:nvPr/>
         </p:nvPicPr>
@@ -13405,7 +13019,7 @@
       </p:pic>
       <p:grpSp>
         <p:nvGrpSpPr>
-          <p:cNvPr id="129" name="Google Shape;129;p24"/>
+          <p:cNvPr id="118" name="Google Shape;118;p22"/>
           <p:cNvGrpSpPr/>
           <p:nvPr/>
         </p:nvGrpSpPr>
@@ -13419,7 +13033,7 @@
         </p:grpSpPr>
         <p:grpSp>
           <p:nvGrpSpPr>
-            <p:cNvPr id="130" name="Google Shape;130;p24"/>
+            <p:cNvPr id="119" name="Google Shape;119;p22"/>
             <p:cNvGrpSpPr/>
             <p:nvPr/>
           </p:nvGrpSpPr>
@@ -13433,7 +13047,7 @@
           </p:grpSpPr>
           <p:sp>
             <p:nvSpPr>
-              <p:cNvPr id="131" name="Google Shape;131;p24"/>
+              <p:cNvPr id="120" name="Google Shape;120;p22"/>
               <p:cNvSpPr/>
               <p:nvPr/>
             </p:nvSpPr>
@@ -13500,7 +13114,7 @@
           </p:sp>
           <p:sp>
             <p:nvSpPr>
-              <p:cNvPr id="132" name="Google Shape;132;p24"/>
+              <p:cNvPr id="121" name="Google Shape;121;p22"/>
               <p:cNvSpPr/>
               <p:nvPr/>
             </p:nvSpPr>
@@ -13568,7 +13182,7 @@
         </p:grpSp>
         <p:grpSp>
           <p:nvGrpSpPr>
-            <p:cNvPr id="133" name="Google Shape;133;p24"/>
+            <p:cNvPr id="122" name="Google Shape;122;p22"/>
             <p:cNvGrpSpPr/>
             <p:nvPr/>
           </p:nvGrpSpPr>
@@ -13582,7 +13196,7 @@
           </p:grpSpPr>
           <p:sp>
             <p:nvSpPr>
-              <p:cNvPr id="134" name="Google Shape;134;p24"/>
+              <p:cNvPr id="123" name="Google Shape;123;p22"/>
               <p:cNvSpPr/>
               <p:nvPr/>
             </p:nvSpPr>
@@ -13649,7 +13263,7 @@
           </p:sp>
           <p:sp>
             <p:nvSpPr>
-              <p:cNvPr id="135" name="Google Shape;135;p24"/>
+              <p:cNvPr id="124" name="Google Shape;124;p22"/>
               <p:cNvSpPr/>
               <p:nvPr/>
             </p:nvSpPr>
@@ -13717,7 +13331,7 @@
         </p:grpSp>
         <p:grpSp>
           <p:nvGrpSpPr>
-            <p:cNvPr id="136" name="Google Shape;136;p24"/>
+            <p:cNvPr id="125" name="Google Shape;125;p22"/>
             <p:cNvGrpSpPr/>
             <p:nvPr/>
           </p:nvGrpSpPr>
@@ -13731,7 +13345,7 @@
           </p:grpSpPr>
           <p:sp>
             <p:nvSpPr>
-              <p:cNvPr id="137" name="Google Shape;137;p24"/>
+              <p:cNvPr id="126" name="Google Shape;126;p22"/>
               <p:cNvSpPr/>
               <p:nvPr/>
             </p:nvSpPr>
@@ -13798,7 +13412,7 @@
           </p:sp>
           <p:sp>
             <p:nvSpPr>
-              <p:cNvPr id="138" name="Google Shape;138;p24"/>
+              <p:cNvPr id="127" name="Google Shape;127;p22"/>
               <p:cNvSpPr/>
               <p:nvPr/>
             </p:nvSpPr>
@@ -13866,7 +13480,7 @@
         </p:grpSp>
         <p:grpSp>
           <p:nvGrpSpPr>
-            <p:cNvPr id="139" name="Google Shape;139;p24"/>
+            <p:cNvPr id="128" name="Google Shape;128;p22"/>
             <p:cNvGrpSpPr/>
             <p:nvPr/>
           </p:nvGrpSpPr>
@@ -13880,7 +13494,7 @@
           </p:grpSpPr>
           <p:sp>
             <p:nvSpPr>
-              <p:cNvPr id="140" name="Google Shape;140;p24"/>
+              <p:cNvPr id="129" name="Google Shape;129;p22"/>
               <p:cNvSpPr/>
               <p:nvPr/>
             </p:nvSpPr>
@@ -13947,7 +13561,7 @@
           </p:sp>
           <p:sp>
             <p:nvSpPr>
-              <p:cNvPr id="141" name="Google Shape;141;p24"/>
+              <p:cNvPr id="130" name="Google Shape;130;p22"/>
               <p:cNvSpPr/>
               <p:nvPr/>
             </p:nvSpPr>
@@ -14015,7 +13629,7 @@
         </p:grpSp>
         <p:grpSp>
           <p:nvGrpSpPr>
-            <p:cNvPr id="142" name="Google Shape;142;p24"/>
+            <p:cNvPr id="131" name="Google Shape;131;p22"/>
             <p:cNvGrpSpPr/>
             <p:nvPr/>
           </p:nvGrpSpPr>
@@ -14029,7 +13643,7 @@
           </p:grpSpPr>
           <p:sp>
             <p:nvSpPr>
-              <p:cNvPr id="143" name="Google Shape;143;p24"/>
+              <p:cNvPr id="132" name="Google Shape;132;p22"/>
               <p:cNvSpPr/>
               <p:nvPr/>
             </p:nvSpPr>
@@ -14096,7 +13710,7 @@
           </p:sp>
           <p:sp>
             <p:nvSpPr>
-              <p:cNvPr id="144" name="Google Shape;144;p24"/>
+              <p:cNvPr id="133" name="Google Shape;133;p22"/>
               <p:cNvSpPr/>
               <p:nvPr/>
             </p:nvSpPr>
@@ -14165,7 +13779,7 @@
       </p:grpSp>
       <p:sp>
         <p:nvSpPr>
-          <p:cNvPr id="145" name="Google Shape;145;p24"/>
+          <p:cNvPr id="134" name="Google Shape;134;p22"/>
           <p:cNvSpPr txBox="1"/>
           <p:nvPr>
             <p:ph type="title"/>
@@ -14205,7 +13819,7 @@
       </p:sp>
       <p:pic>
         <p:nvPicPr>
-          <p:cNvPr id="146" name="Google Shape;146;p24"/>
+          <p:cNvPr id="135" name="Google Shape;135;p22"/>
           <p:cNvPicPr preferRelativeResize="0"/>
           <p:nvPr/>
         </p:nvPicPr>
@@ -14243,7 +13857,7 @@
   <p:cSld>
     <p:spTree>
       <p:nvGrpSpPr>
-        <p:cNvPr id="150" name="Shape 150"/>
+        <p:cNvPr id="139" name="Shape 139"/>
         <p:cNvGrpSpPr/>
         <p:nvPr/>
       </p:nvGrpSpPr>
@@ -14257,7 +13871,7 @@
       </p:grpSpPr>
       <p:graphicFrame>
         <p:nvGraphicFramePr>
-          <p:cNvPr id="151" name="Google Shape;151;p25"/>
+          <p:cNvPr id="140" name="Google Shape;140;p23"/>
           <p:cNvGraphicFramePr/>
           <p:nvPr/>
         </p:nvGraphicFramePr>
@@ -14270,7 +13884,7 @@
             <a:tbl>
               <a:tblPr>
                 <a:noFill/>
-                <a:tableStyleId>{A0EAE48C-5507-4B33-AA6B-AAC2F005ED5C}</a:tableStyleId>
+                <a:tableStyleId>{699C05AF-0236-40F3-87FF-7B2FF339624E}</a:tableStyleId>
               </a:tblPr>
               <a:tblGrid>
                 <a:gridCol w="383600"/>
@@ -15077,7 +14691,7 @@
       </p:graphicFrame>
       <p:sp>
         <p:nvSpPr>
-          <p:cNvPr id="152" name="Google Shape;152;p25"/>
+          <p:cNvPr id="141" name="Google Shape;141;p23"/>
           <p:cNvSpPr txBox="1"/>
           <p:nvPr>
             <p:ph idx="12" type="sldNum"/>
@@ -15130,7 +14744,7 @@
       </p:sp>
       <p:pic>
         <p:nvPicPr>
-          <p:cNvPr id="153" name="Google Shape;153;p25"/>
+          <p:cNvPr id="142" name="Google Shape;142;p23"/>
           <p:cNvPicPr preferRelativeResize="0"/>
           <p:nvPr/>
         </p:nvPicPr>
@@ -15158,7 +14772,7 @@
       </p:pic>
       <p:pic>
         <p:nvPicPr>
-          <p:cNvPr id="154" name="Google Shape;154;p25"/>
+          <p:cNvPr id="143" name="Google Shape;143;p23"/>
           <p:cNvPicPr preferRelativeResize="0"/>
           <p:nvPr/>
         </p:nvPicPr>
@@ -15197,7 +14811,7 @@
   <p:cSld>
     <p:spTree>
       <p:nvGrpSpPr>
-        <p:cNvPr id="158" name="Shape 158"/>
+        <p:cNvPr id="147" name="Shape 147"/>
         <p:cNvGrpSpPr/>
         <p:nvPr/>
       </p:nvGrpSpPr>
@@ -15211,7 +14825,7 @@
       </p:grpSpPr>
       <p:sp>
         <p:nvSpPr>
-          <p:cNvPr id="159" name="Google Shape;159;p26"/>
+          <p:cNvPr id="148" name="Google Shape;148;p24"/>
           <p:cNvSpPr txBox="1"/>
           <p:nvPr>
             <p:ph type="title"/>
@@ -15251,7 +14865,7 @@
       </p:sp>
       <p:cxnSp>
         <p:nvCxnSpPr>
-          <p:cNvPr id="160" name="Google Shape;160;p26"/>
+          <p:cNvPr id="149" name="Google Shape;149;p24"/>
           <p:cNvCxnSpPr/>
           <p:nvPr/>
         </p:nvCxnSpPr>
@@ -15277,7 +14891,7 @@
       </p:cxnSp>
       <p:pic>
         <p:nvPicPr>
-          <p:cNvPr id="161" name="Google Shape;161;p26"/>
+          <p:cNvPr id="150" name="Google Shape;150;p24"/>
           <p:cNvPicPr preferRelativeResize="0"/>
           <p:nvPr/>
         </p:nvPicPr>
@@ -15311,7 +14925,7 @@
       </p:pic>
       <p:pic>
         <p:nvPicPr>
-          <p:cNvPr id="162" name="Google Shape;162;p26"/>
+          <p:cNvPr id="151" name="Google Shape;151;p24"/>
           <p:cNvPicPr preferRelativeResize="0"/>
           <p:nvPr/>
         </p:nvPicPr>
@@ -15339,7 +14953,7 @@
       </p:pic>
       <p:sp>
         <p:nvSpPr>
-          <p:cNvPr id="163" name="Google Shape;163;p26"/>
+          <p:cNvPr id="152" name="Google Shape;152;p24"/>
           <p:cNvSpPr/>
           <p:nvPr/>
         </p:nvSpPr>
@@ -15364,7 +14978,7 @@
           </a:bodyPr>
           <a:lstStyle/>
           <a:p>
-            <a:pPr indent="0" lvl="0" marL="0" marR="0" rtl="0" algn="l">
+            <a:pPr indent="-304800" lvl="0" marL="457200" marR="0" rtl="0" algn="l">
               <a:lnSpc>
                 <a:spcPct val="100000"/>
               </a:lnSpc>
@@ -15374,16 +14988,50 @@
               <a:spcAft>
                 <a:spcPts val="0"/>
               </a:spcAft>
-              <a:buClr>
-                <a:srgbClr val="000000"/>
-              </a:buClr>
               <a:buSzPts val="1200"/>
-              <a:buFont typeface="Arial"/>
-              <a:buNone/>
+              <a:buChar char="●"/>
             </a:pPr>
             <a:r>
               <a:rPr lang="en" sz="1200"/>
-              <a:t>There has been substantial growth of drivers over the last 4 years in Paris . This is critical to match the increase in flow of inventory currently seen within this zone throughout the years and is currently where a large number of drivers are joining followed by Manchester. </a:t>
+              <a:t>Substantial growth of drivers can be seen in Paris . </a:t>
+            </a:r>
+            <a:endParaRPr sz="1200"/>
+          </a:p>
+          <a:p>
+            <a:pPr indent="0" lvl="0" marL="457200" marR="0" rtl="0" algn="l">
+              <a:lnSpc>
+                <a:spcPct val="100000"/>
+              </a:lnSpc>
+              <a:spcBef>
+                <a:spcPts val="0"/>
+              </a:spcBef>
+              <a:spcAft>
+                <a:spcPts val="0"/>
+              </a:spcAft>
+              <a:buNone/>
+            </a:pPr>
+            <a:r>
+              <a:t/>
+            </a:r>
+            <a:endParaRPr sz="1200"/>
+          </a:p>
+          <a:p>
+            <a:pPr indent="-304800" lvl="0" marL="457200" marR="0" rtl="0" algn="l">
+              <a:lnSpc>
+                <a:spcPct val="100000"/>
+              </a:lnSpc>
+              <a:spcBef>
+                <a:spcPts val="0"/>
+              </a:spcBef>
+              <a:spcAft>
+                <a:spcPts val="0"/>
+              </a:spcAft>
+              <a:buSzPts val="1200"/>
+              <a:buChar char="●"/>
+            </a:pPr>
+            <a:r>
+              <a:rPr lang="en" sz="1200"/>
+              <a:t>Large number of drivers are joining Paris followed by Manchester. </a:t>
             </a:r>
             <a:endParaRPr sz="1200"/>
           </a:p>
@@ -15781,7 +15429,7 @@
       </p:sp>
       <p:pic>
         <p:nvPicPr>
-          <p:cNvPr id="164" name="Google Shape;164;p26"/>
+          <p:cNvPr id="153" name="Google Shape;153;p24"/>
           <p:cNvPicPr preferRelativeResize="0"/>
           <p:nvPr/>
         </p:nvPicPr>
@@ -15814,7 +15462,7 @@
       </p:pic>
       <p:grpSp>
         <p:nvGrpSpPr>
-          <p:cNvPr id="165" name="Google Shape;165;p26"/>
+          <p:cNvPr id="154" name="Google Shape;154;p24"/>
           <p:cNvGrpSpPr/>
           <p:nvPr/>
         </p:nvGrpSpPr>
@@ -15828,7 +15476,7 @@
         </p:grpSpPr>
         <p:sp>
           <p:nvSpPr>
-            <p:cNvPr id="166" name="Google Shape;166;p26"/>
+            <p:cNvPr id="155" name="Google Shape;155;p24"/>
             <p:cNvSpPr/>
             <p:nvPr/>
           </p:nvSpPr>
@@ -15887,7 +15535,7 @@
         </p:sp>
         <p:sp>
           <p:nvSpPr>
-            <p:cNvPr id="167" name="Google Shape;167;p26"/>
+            <p:cNvPr id="156" name="Google Shape;156;p24"/>
             <p:cNvSpPr/>
             <p:nvPr/>
           </p:nvSpPr>
@@ -15950,7 +15598,7 @@
       </p:grpSp>
       <p:grpSp>
         <p:nvGrpSpPr>
-          <p:cNvPr id="168" name="Google Shape;168;p26"/>
+          <p:cNvPr id="157" name="Google Shape;157;p24"/>
           <p:cNvGrpSpPr/>
           <p:nvPr/>
         </p:nvGrpSpPr>
@@ -15964,7 +15612,7 @@
         </p:grpSpPr>
         <p:sp>
           <p:nvSpPr>
-            <p:cNvPr id="169" name="Google Shape;169;p26"/>
+            <p:cNvPr id="158" name="Google Shape;158;p24"/>
             <p:cNvSpPr/>
             <p:nvPr/>
           </p:nvSpPr>
@@ -16023,7 +15671,7 @@
         </p:sp>
         <p:sp>
           <p:nvSpPr>
-            <p:cNvPr id="170" name="Google Shape;170;p26"/>
+            <p:cNvPr id="159" name="Google Shape;159;p24"/>
             <p:cNvSpPr/>
             <p:nvPr/>
           </p:nvSpPr>
@@ -16086,7 +15734,7 @@
       </p:grpSp>
       <p:grpSp>
         <p:nvGrpSpPr>
-          <p:cNvPr id="171" name="Google Shape;171;p26"/>
+          <p:cNvPr id="160" name="Google Shape;160;p24"/>
           <p:cNvGrpSpPr/>
           <p:nvPr/>
         </p:nvGrpSpPr>
@@ -16100,7 +15748,7 @@
         </p:grpSpPr>
         <p:sp>
           <p:nvSpPr>
-            <p:cNvPr id="172" name="Google Shape;172;p26"/>
+            <p:cNvPr id="161" name="Google Shape;161;p24"/>
             <p:cNvSpPr/>
             <p:nvPr/>
           </p:nvSpPr>
@@ -16159,7 +15807,7 @@
         </p:sp>
         <p:sp>
           <p:nvSpPr>
-            <p:cNvPr id="173" name="Google Shape;173;p26"/>
+            <p:cNvPr id="162" name="Google Shape;162;p24"/>
             <p:cNvSpPr/>
             <p:nvPr/>
           </p:nvSpPr>
@@ -16229,9 +15877,9 @@
 </file>
 
 <file path=ppt/theme/theme1.xml><?xml version="1.0" encoding="utf-8"?>
-<a:theme xmlns:a="http://schemas.openxmlformats.org/drawingml/2006/main" xmlns:r="http://schemas.openxmlformats.org/officeDocument/2006/relationships">
+<a:theme xmlns:a="http://schemas.openxmlformats.org/drawingml/2006/main" xmlns:r="http://schemas.openxmlformats.org/officeDocument/2006/relationships" name="Simple Light">
   <a:themeElements>
-    <a:clrScheme name="Default">
+    <a:clrScheme name="Simple Light">
       <a:dk1>
         <a:srgbClr val="000000"/>
       </a:dk1>
@@ -16239,34 +15887,34 @@
         <a:srgbClr val="FFFFFF"/>
       </a:lt1>
       <a:dk2>
-        <a:srgbClr val="158158"/>
+        <a:srgbClr val="595959"/>
       </a:dk2>
       <a:lt2>
-        <a:srgbClr val="F3F3F3"/>
+        <a:srgbClr val="EEEEEE"/>
       </a:lt2>
       <a:accent1>
-        <a:srgbClr val="058DC7"/>
+        <a:srgbClr val="4285F4"/>
       </a:accent1>
       <a:accent2>
-        <a:srgbClr val="50B432"/>
+        <a:srgbClr val="212121"/>
       </a:accent2>
       <a:accent3>
-        <a:srgbClr val="ED561B"/>
+        <a:srgbClr val="78909C"/>
       </a:accent3>
       <a:accent4>
-        <a:srgbClr val="EDEF00"/>
+        <a:srgbClr val="FFAB40"/>
       </a:accent4>
       <a:accent5>
-        <a:srgbClr val="24CBE5"/>
+        <a:srgbClr val="0097A7"/>
       </a:accent5>
       <a:accent6>
-        <a:srgbClr val="64E572"/>
+        <a:srgbClr val="EEFF41"/>
       </a:accent6>
       <a:hlink>
-        <a:srgbClr val="2200CC"/>
+        <a:srgbClr val="0097A7"/>
       </a:hlink>
       <a:folHlink>
-        <a:srgbClr val="551A8B"/>
+        <a:srgbClr val="0097A7"/>
       </a:folHlink>
     </a:clrScheme>
     <a:fontScheme name="Office">
@@ -16508,9 +16156,9 @@
 </file>
 
 <file path=ppt/theme/theme2.xml><?xml version="1.0" encoding="utf-8"?>
-<a:theme xmlns:a="http://schemas.openxmlformats.org/drawingml/2006/main" xmlns:r="http://schemas.openxmlformats.org/officeDocument/2006/relationships" name="Simple Light">
+<a:theme xmlns:a="http://schemas.openxmlformats.org/drawingml/2006/main" xmlns:r="http://schemas.openxmlformats.org/officeDocument/2006/relationships">
   <a:themeElements>
-    <a:clrScheme name="Simple Light">
+    <a:clrScheme name="Default">
       <a:dk1>
         <a:srgbClr val="000000"/>
       </a:dk1>
@@ -16518,34 +16166,34 @@
         <a:srgbClr val="FFFFFF"/>
       </a:lt1>
       <a:dk2>
-        <a:srgbClr val="595959"/>
+        <a:srgbClr val="158158"/>
       </a:dk2>
       <a:lt2>
-        <a:srgbClr val="EEEEEE"/>
+        <a:srgbClr val="F3F3F3"/>
       </a:lt2>
       <a:accent1>
-        <a:srgbClr val="4285F4"/>
+        <a:srgbClr val="058DC7"/>
       </a:accent1>
       <a:accent2>
-        <a:srgbClr val="212121"/>
+        <a:srgbClr val="50B432"/>
       </a:accent2>
       <a:accent3>
-        <a:srgbClr val="78909C"/>
+        <a:srgbClr val="ED561B"/>
       </a:accent3>
       <a:accent4>
-        <a:srgbClr val="FFAB40"/>
+        <a:srgbClr val="EDEF00"/>
       </a:accent4>
       <a:accent5>
-        <a:srgbClr val="0097A7"/>
+        <a:srgbClr val="24CBE5"/>
       </a:accent5>
       <a:accent6>
-        <a:srgbClr val="EEFF41"/>
+        <a:srgbClr val="64E572"/>
       </a:accent6>
       <a:hlink>
-        <a:srgbClr val="0097A7"/>
+        <a:srgbClr val="2200CC"/>
       </a:hlink>
       <a:folHlink>
-        <a:srgbClr val="0097A7"/>
+        <a:srgbClr val="551A8B"/>
       </a:folHlink>
     </a:clrScheme>
     <a:fontScheme name="Office">
